--- a/Video/ISS IPA PROJECT PRESENTATION - PROMOTIONAL VIDEO.pptx
+++ b/Video/ISS IPA PROJECT PRESENTATION - PROMOTIONAL VIDEO.pptx
@@ -3822,7 +3822,7 @@
         <p:spPr>
           <a:xfrm>
             <a:off x="597160" y="235149"/>
-            <a:ext cx="1472198" cy="369332"/>
+            <a:ext cx="1241943" cy="369332"/>
           </a:xfrm>
           <a:prstGeom prst="rect">
             <a:avLst/>
@@ -3837,95 +3837,668 @@
           <a:p>
             <a:r>
               <a:rPr lang="en-SG" b="1" u="sng" dirty="0"/>
-              <a:t>Business Pain</a:t>
-            </a:r>
-          </a:p>
-        </p:txBody>
-      </p:sp>
-      <p:sp>
-        <p:nvSpPr>
-          <p:cNvPr id="17" name="TextBox 16">
-            <a:extLst>
-              <a:ext uri="{FF2B5EF4-FFF2-40B4-BE49-F238E27FC236}">
-                <a16:creationId xmlns:a16="http://schemas.microsoft.com/office/drawing/2014/main" id="{6CD837F2-8EA2-4C65-97E9-A83DE97B1F8D}"/>
-              </a:ext>
-            </a:extLst>
-          </p:cNvPr>
-          <p:cNvSpPr txBox="1"/>
+              <a:t>Pain Points</a:t>
+            </a:r>
+          </a:p>
+        </p:txBody>
+      </p:sp>
+      <p:cxnSp>
+        <p:nvCxnSpPr>
+          <p:cNvPr id="4" name="Straight Connector 3">
+            <a:extLst>
+              <a:ext uri="{FF2B5EF4-FFF2-40B4-BE49-F238E27FC236}">
+                <a16:creationId xmlns:a16="http://schemas.microsoft.com/office/drawing/2014/main" id="{382394A9-B16B-4DE3-A7D0-97C27E979CE4}"/>
+              </a:ext>
+            </a:extLst>
+          </p:cNvPr>
+          <p:cNvCxnSpPr/>
           <p:nvPr/>
-        </p:nvSpPr>
+        </p:nvCxnSpPr>
         <p:spPr>
           <a:xfrm>
-            <a:off x="3047301" y="2062036"/>
-            <a:ext cx="6094602" cy="2738122"/>
+            <a:off x="4095126" y="695885"/>
+            <a:ext cx="58723" cy="5850173"/>
+          </a:xfrm>
+          <a:prstGeom prst="line">
+            <a:avLst/>
+          </a:prstGeom>
+          <a:ln>
+            <a:solidFill>
+              <a:schemeClr val="bg1">
+                <a:lumMod val="50000"/>
+              </a:schemeClr>
+            </a:solidFill>
+            <a:prstDash val="lgDashDot"/>
+          </a:ln>
+        </p:spPr>
+        <p:style>
+          <a:lnRef idx="1">
+            <a:schemeClr val="accent1"/>
+          </a:lnRef>
+          <a:fillRef idx="0">
+            <a:schemeClr val="accent1"/>
+          </a:fillRef>
+          <a:effectRef idx="0">
+            <a:schemeClr val="accent1"/>
+          </a:effectRef>
+          <a:fontRef idx="minor">
+            <a:schemeClr val="tx1"/>
+          </a:fontRef>
+        </p:style>
+      </p:cxnSp>
+      <p:cxnSp>
+        <p:nvCxnSpPr>
+          <p:cNvPr id="5" name="Straight Connector 4">
+            <a:extLst>
+              <a:ext uri="{FF2B5EF4-FFF2-40B4-BE49-F238E27FC236}">
+                <a16:creationId xmlns:a16="http://schemas.microsoft.com/office/drawing/2014/main" id="{79BF25FF-8E5F-45CD-9B34-9C160E23E2B6}"/>
+              </a:ext>
+            </a:extLst>
+          </p:cNvPr>
+          <p:cNvCxnSpPr/>
+          <p:nvPr/>
+        </p:nvCxnSpPr>
+        <p:spPr>
+          <a:xfrm>
+            <a:off x="8037044" y="861256"/>
+            <a:ext cx="58723" cy="5850173"/>
+          </a:xfrm>
+          <a:prstGeom prst="line">
+            <a:avLst/>
+          </a:prstGeom>
+          <a:ln>
+            <a:solidFill>
+              <a:schemeClr val="bg1">
+                <a:lumMod val="50000"/>
+              </a:schemeClr>
+            </a:solidFill>
+            <a:prstDash val="lgDashDot"/>
+          </a:ln>
+        </p:spPr>
+        <p:style>
+          <a:lnRef idx="1">
+            <a:schemeClr val="accent1"/>
+          </a:lnRef>
+          <a:fillRef idx="0">
+            <a:schemeClr val="accent1"/>
+          </a:fillRef>
+          <a:effectRef idx="0">
+            <a:schemeClr val="accent1"/>
+          </a:effectRef>
+          <a:fontRef idx="minor">
+            <a:schemeClr val="tx1"/>
+          </a:fontRef>
+        </p:style>
+      </p:cxnSp>
+      <p:sp>
+        <p:nvSpPr>
+          <p:cNvPr id="6" name="Rectangle 5">
+            <a:extLst>
+              <a:ext uri="{FF2B5EF4-FFF2-40B4-BE49-F238E27FC236}">
+                <a16:creationId xmlns:a16="http://schemas.microsoft.com/office/drawing/2014/main" id="{1150A67D-8C0A-43EF-9FA0-8F1152BD7DD4}"/>
+              </a:ext>
+            </a:extLst>
+          </p:cNvPr>
+          <p:cNvSpPr/>
+          <p:nvPr/>
+        </p:nvSpPr>
+        <p:spPr>
+          <a:xfrm>
+            <a:off x="667030" y="3102478"/>
+            <a:ext cx="2922476" cy="1036986"/>
+          </a:xfrm>
+          <a:prstGeom prst="rect">
+            <a:avLst/>
+          </a:prstGeom>
+          <a:solidFill>
+            <a:srgbClr val="002060"/>
+          </a:solidFill>
+        </p:spPr>
+        <p:style>
+          <a:lnRef idx="2">
+            <a:schemeClr val="accent1">
+              <a:shade val="50000"/>
+            </a:schemeClr>
+          </a:lnRef>
+          <a:fillRef idx="1">
+            <a:schemeClr val="accent1"/>
+          </a:fillRef>
+          <a:effectRef idx="0">
+            <a:schemeClr val="accent1"/>
+          </a:effectRef>
+          <a:fontRef idx="minor">
+            <a:schemeClr val="lt1"/>
+          </a:fontRef>
+        </p:style>
+        <p:txBody>
+          <a:bodyPr rtlCol="0" anchor="ctr"/>
+          <a:lstStyle/>
+          <a:p>
+            <a:pPr algn="ctr"/>
+            <a:r>
+              <a:rPr lang="en-US" altLang="ja-JP" dirty="0">
+                <a:solidFill>
+                  <a:schemeClr val="bg1"/>
+                </a:solidFill>
+                <a:latin typeface="Arial" panose="020B0604020202020204" pitchFamily="34" charset="0"/>
+                <a:ea typeface="DengXian" panose="02010600030101010101" pitchFamily="2" charset="-122"/>
+                <a:cs typeface="Arial" panose="020B0604020202020204" pitchFamily="34" charset="0"/>
+              </a:rPr>
+              <a:t>Want to borrow instead of buying?</a:t>
+            </a:r>
+            <a:endParaRPr kumimoji="0" lang="en-US" altLang="ja-JP" b="0" i="0" u="none" strike="noStrike" cap="none" normalizeH="0" baseline="0" dirty="0">
+              <a:ln>
+                <a:noFill/>
+              </a:ln>
+              <a:solidFill>
+                <a:schemeClr val="bg1"/>
+              </a:solidFill>
+              <a:effectLst/>
+              <a:latin typeface="Arial" panose="020B0604020202020204" pitchFamily="34" charset="0"/>
+            </a:endParaRPr>
+          </a:p>
+        </p:txBody>
+      </p:sp>
+      <p:sp>
+        <p:nvSpPr>
+          <p:cNvPr id="7" name="Rectangle 6">
+            <a:extLst>
+              <a:ext uri="{FF2B5EF4-FFF2-40B4-BE49-F238E27FC236}">
+                <a16:creationId xmlns:a16="http://schemas.microsoft.com/office/drawing/2014/main" id="{24240FBA-BEE2-42F3-A765-FBBB9960D9E9}"/>
+              </a:ext>
+            </a:extLst>
+          </p:cNvPr>
+          <p:cNvSpPr/>
+          <p:nvPr/>
+        </p:nvSpPr>
+        <p:spPr>
+          <a:xfrm>
+            <a:off x="4644116" y="3102478"/>
+            <a:ext cx="2903767" cy="1036986"/>
+          </a:xfrm>
+          <a:prstGeom prst="rect">
+            <a:avLst/>
+          </a:prstGeom>
+          <a:solidFill>
+            <a:srgbClr val="002060"/>
+          </a:solidFill>
+        </p:spPr>
+        <p:style>
+          <a:lnRef idx="2">
+            <a:schemeClr val="accent1">
+              <a:shade val="50000"/>
+            </a:schemeClr>
+          </a:lnRef>
+          <a:fillRef idx="1">
+            <a:schemeClr val="accent1"/>
+          </a:fillRef>
+          <a:effectRef idx="0">
+            <a:schemeClr val="accent1"/>
+          </a:effectRef>
+          <a:fontRef idx="minor">
+            <a:schemeClr val="lt1"/>
+          </a:fontRef>
+        </p:style>
+        <p:txBody>
+          <a:bodyPr rtlCol="0" anchor="ctr"/>
+          <a:lstStyle/>
+          <a:p>
+            <a:pPr algn="ctr"/>
+            <a:r>
+              <a:rPr lang="en-US" altLang="ja-JP" dirty="0">
+                <a:solidFill>
+                  <a:schemeClr val="bg1"/>
+                </a:solidFill>
+                <a:latin typeface="Arial" panose="020B0604020202020204" pitchFamily="34" charset="0"/>
+              </a:rPr>
+              <a:t>Want to check the ratings of a recommended book?</a:t>
+            </a:r>
+            <a:endParaRPr kumimoji="0" lang="en-US" altLang="ja-JP" b="0" i="0" u="none" strike="noStrike" cap="none" normalizeH="0" baseline="0" dirty="0">
+              <a:ln>
+                <a:noFill/>
+              </a:ln>
+              <a:solidFill>
+                <a:schemeClr val="bg1"/>
+              </a:solidFill>
+              <a:effectLst/>
+              <a:latin typeface="Arial" panose="020B0604020202020204" pitchFamily="34" charset="0"/>
+            </a:endParaRPr>
+          </a:p>
+        </p:txBody>
+      </p:sp>
+      <p:sp>
+        <p:nvSpPr>
+          <p:cNvPr id="8" name="Rectangle 7">
+            <a:extLst>
+              <a:ext uri="{FF2B5EF4-FFF2-40B4-BE49-F238E27FC236}">
+                <a16:creationId xmlns:a16="http://schemas.microsoft.com/office/drawing/2014/main" id="{01435ABF-829A-4FB6-9F15-F86D48BC7336}"/>
+              </a:ext>
+            </a:extLst>
+          </p:cNvPr>
+          <p:cNvSpPr/>
+          <p:nvPr/>
+        </p:nvSpPr>
+        <p:spPr>
+          <a:xfrm>
+            <a:off x="8621203" y="3086874"/>
+            <a:ext cx="2903767" cy="1036986"/>
+          </a:xfrm>
+          <a:prstGeom prst="rect">
+            <a:avLst/>
+          </a:prstGeom>
+          <a:solidFill>
+            <a:srgbClr val="002060"/>
+          </a:solidFill>
+        </p:spPr>
+        <p:style>
+          <a:lnRef idx="2">
+            <a:schemeClr val="accent1">
+              <a:shade val="50000"/>
+            </a:schemeClr>
+          </a:lnRef>
+          <a:fillRef idx="1">
+            <a:schemeClr val="accent1"/>
+          </a:fillRef>
+          <a:effectRef idx="0">
+            <a:schemeClr val="accent1"/>
+          </a:effectRef>
+          <a:fontRef idx="minor">
+            <a:schemeClr val="lt1"/>
+          </a:fontRef>
+        </p:style>
+        <p:txBody>
+          <a:bodyPr rtlCol="0" anchor="ctr"/>
+          <a:lstStyle/>
+          <a:p>
+            <a:pPr algn="ctr"/>
+            <a:r>
+              <a:rPr kumimoji="0" lang="en-US" altLang="ja-JP" b="0" i="0" u="none" strike="noStrike" cap="none" normalizeH="0" baseline="0" dirty="0">
+                <a:ln>
+                  <a:noFill/>
+                </a:ln>
+                <a:solidFill>
+                  <a:schemeClr val="bg1"/>
+                </a:solidFill>
+                <a:effectLst/>
+                <a:latin typeface="Arial" panose="020B0604020202020204" pitchFamily="34" charset="0"/>
+              </a:rPr>
+              <a:t>Want to find the next book to read?</a:t>
+            </a:r>
+          </a:p>
+        </p:txBody>
+      </p:sp>
+      <p:sp>
+        <p:nvSpPr>
+          <p:cNvPr id="2" name="Rectangle 1">
+            <a:extLst>
+              <a:ext uri="{FF2B5EF4-FFF2-40B4-BE49-F238E27FC236}">
+                <a16:creationId xmlns:a16="http://schemas.microsoft.com/office/drawing/2014/main" id="{D76C6CC8-9511-4BCA-9D48-8AF7F8C3A846}"/>
+              </a:ext>
+            </a:extLst>
+          </p:cNvPr>
+          <p:cNvSpPr/>
+          <p:nvPr/>
+        </p:nvSpPr>
+        <p:spPr>
+          <a:xfrm>
+            <a:off x="701092" y="4395020"/>
+            <a:ext cx="2915919" cy="1857983"/>
           </a:xfrm>
           <a:prstGeom prst="rect">
             <a:avLst/>
           </a:prstGeom>
           <a:noFill/>
+          <a:ln w="25400">
+            <a:solidFill>
+              <a:srgbClr val="4285F4"/>
+            </a:solidFill>
+          </a:ln>
         </p:spPr>
-        <p:txBody>
-          <a:bodyPr wrap="square">
-            <a:spAutoFit/>
-          </a:bodyPr>
+        <p:style>
+          <a:lnRef idx="2">
+            <a:schemeClr val="accent1">
+              <a:shade val="50000"/>
+            </a:schemeClr>
+          </a:lnRef>
+          <a:fillRef idx="1">
+            <a:schemeClr val="accent1"/>
+          </a:fillRef>
+          <a:effectRef idx="0">
+            <a:schemeClr val="accent1"/>
+          </a:effectRef>
+          <a:fontRef idx="minor">
+            <a:schemeClr val="lt1"/>
+          </a:fontRef>
+        </p:style>
+        <p:txBody>
+          <a:bodyPr rtlCol="0" anchor="ctr"/>
           <a:lstStyle/>
           <a:p>
-            <a:pPr algn="just">
-              <a:lnSpc>
-                <a:spcPct val="107000"/>
-              </a:lnSpc>
-              <a:spcAft>
-                <a:spcPts val="800"/>
-              </a:spcAft>
+            <a:pPr marL="285750" indent="-285750">
+              <a:buFont typeface="Arial" panose="020B0604020202020204" pitchFamily="34" charset="0"/>
+              <a:buChar char="•"/>
             </a:pPr>
             <a:r>
-              <a:rPr lang="en-SG" sz="1800" dirty="0">
-                <a:effectLst/>
-                <a:latin typeface="Arial" panose="020B0604020202020204" pitchFamily="34" charset="0"/>
-                <a:ea typeface="DengXian" panose="02010600030101010101" pitchFamily="2" charset="-122"/>
-                <a:cs typeface="Times New Roman" panose="02020603050405020304" pitchFamily="18" charset="0"/>
+              <a:rPr lang="en-SG" dirty="0">
+                <a:solidFill>
+                  <a:schemeClr val="tx1"/>
+                </a:solidFill>
               </a:rPr>
-              <a:t>What should you read? For both the avid readers and uninitiated, the major retailers, such as Amazon and </a:t>
-            </a:r>
-            <a:r>
-              <a:rPr lang="en-SG" sz="1800" dirty="0" err="1">
-                <a:effectLst/>
-                <a:latin typeface="Arial" panose="020B0604020202020204" pitchFamily="34" charset="0"/>
-                <a:ea typeface="DengXian" panose="02010600030101010101" pitchFamily="2" charset="-122"/>
-                <a:cs typeface="Times New Roman" panose="02020603050405020304" pitchFamily="18" charset="0"/>
+              <a:t>Have a book that you want to read but do not want to spend money to buy the book? What not borrow it? </a:t>
+            </a:r>
+          </a:p>
+        </p:txBody>
+      </p:sp>
+      <p:pic>
+        <p:nvPicPr>
+          <p:cNvPr id="11" name="Picture 2" descr="Google Assistant - Wikipedia">
+            <a:extLst>
+              <a:ext uri="{FF2B5EF4-FFF2-40B4-BE49-F238E27FC236}">
+                <a16:creationId xmlns:a16="http://schemas.microsoft.com/office/drawing/2014/main" id="{E7EA0D8B-2443-4BED-9097-F3441A195292}"/>
+              </a:ext>
+            </a:extLst>
+          </p:cNvPr>
+          <p:cNvPicPr>
+            <a:picLocks noChangeAspect="1" noChangeArrowheads="1"/>
+          </p:cNvPicPr>
+          <p:nvPr/>
+        </p:nvPicPr>
+        <p:blipFill>
+          <a:blip r:embed="rId2">
+            <a:extLst>
+              <a:ext uri="{28A0092B-C50C-407E-A947-70E740481C1C}">
+                <a14:useLocalDpi xmlns:a14="http://schemas.microsoft.com/office/drawing/2010/main" val="0"/>
+              </a:ext>
+            </a:extLst>
+          </a:blip>
+          <a:srcRect/>
+          <a:stretch>
+            <a:fillRect/>
+          </a:stretch>
+        </p:blipFill>
+        <p:spPr bwMode="auto">
+          <a:xfrm>
+            <a:off x="10779963" y="40183"/>
+            <a:ext cx="1291532" cy="1292775"/>
+          </a:xfrm>
+          <a:prstGeom prst="rect">
+            <a:avLst/>
+          </a:prstGeom>
+          <a:noFill/>
+          <a:extLst>
+            <a:ext uri="{909E8E84-426E-40DD-AFC4-6F175D3DCCD1}">
+              <a14:hiddenFill xmlns:a14="http://schemas.microsoft.com/office/drawing/2010/main">
+                <a:solidFill>
+                  <a:srgbClr val="FFFFFF"/>
+                </a:solidFill>
+              </a14:hiddenFill>
+            </a:ext>
+          </a:extLst>
+        </p:spPr>
+      </p:pic>
+      <p:sp>
+        <p:nvSpPr>
+          <p:cNvPr id="13" name="Rectangle 12">
+            <a:extLst>
+              <a:ext uri="{FF2B5EF4-FFF2-40B4-BE49-F238E27FC236}">
+                <a16:creationId xmlns:a16="http://schemas.microsoft.com/office/drawing/2014/main" id="{BF7910C8-C856-4301-A08F-83C9D92B6746}"/>
+              </a:ext>
+            </a:extLst>
+          </p:cNvPr>
+          <p:cNvSpPr/>
+          <p:nvPr/>
+        </p:nvSpPr>
+        <p:spPr>
+          <a:xfrm>
+            <a:off x="4594015" y="4410624"/>
+            <a:ext cx="2915919" cy="1857983"/>
+          </a:xfrm>
+          <a:prstGeom prst="rect">
+            <a:avLst/>
+          </a:prstGeom>
+          <a:noFill/>
+          <a:ln w="25400">
+            <a:solidFill>
+              <a:srgbClr val="EA4335"/>
+            </a:solidFill>
+          </a:ln>
+        </p:spPr>
+        <p:style>
+          <a:lnRef idx="2">
+            <a:schemeClr val="accent1">
+              <a:shade val="50000"/>
+            </a:schemeClr>
+          </a:lnRef>
+          <a:fillRef idx="1">
+            <a:schemeClr val="accent1"/>
+          </a:fillRef>
+          <a:effectRef idx="0">
+            <a:schemeClr val="accent1"/>
+          </a:effectRef>
+          <a:fontRef idx="minor">
+            <a:schemeClr val="lt1"/>
+          </a:fontRef>
+        </p:style>
+        <p:txBody>
+          <a:bodyPr rtlCol="0" anchor="ctr"/>
+          <a:lstStyle/>
+          <a:p>
+            <a:pPr marL="285750" indent="-285750">
+              <a:buFont typeface="Arial" panose="020B0604020202020204" pitchFamily="34" charset="0"/>
+              <a:buChar char="•"/>
+            </a:pPr>
+            <a:r>
+              <a:rPr lang="en-SG" dirty="0">
+                <a:solidFill>
+                  <a:schemeClr val="tx1"/>
+                </a:solidFill>
               </a:rPr>
-              <a:t>Kinokuniya</a:t>
-            </a:r>
-            <a:r>
-              <a:rPr lang="en-SG" sz="1800" dirty="0">
-                <a:effectLst/>
-                <a:latin typeface="Arial" panose="020B0604020202020204" pitchFamily="34" charset="0"/>
-                <a:ea typeface="DengXian" panose="02010600030101010101" pitchFamily="2" charset="-122"/>
-                <a:cs typeface="Times New Roman" panose="02020603050405020304" pitchFamily="18" charset="0"/>
+              <a:t>Heard about a good book? Want to find out more about the book and the ratings?</a:t>
+            </a:r>
+          </a:p>
+        </p:txBody>
+      </p:sp>
+      <p:sp>
+        <p:nvSpPr>
+          <p:cNvPr id="14" name="Rectangle 13">
+            <a:extLst>
+              <a:ext uri="{FF2B5EF4-FFF2-40B4-BE49-F238E27FC236}">
+                <a16:creationId xmlns:a16="http://schemas.microsoft.com/office/drawing/2014/main" id="{E173DE87-3870-4B29-AE0E-ABCA684468B2}"/>
+              </a:ext>
+            </a:extLst>
+          </p:cNvPr>
+          <p:cNvSpPr/>
+          <p:nvPr/>
+        </p:nvSpPr>
+        <p:spPr>
+          <a:xfrm>
+            <a:off x="8615126" y="4410624"/>
+            <a:ext cx="2915919" cy="1857983"/>
+          </a:xfrm>
+          <a:prstGeom prst="rect">
+            <a:avLst/>
+          </a:prstGeom>
+          <a:noFill/>
+          <a:ln w="25400">
+            <a:solidFill>
+              <a:srgbClr val="FBBC05"/>
+            </a:solidFill>
+          </a:ln>
+        </p:spPr>
+        <p:style>
+          <a:lnRef idx="2">
+            <a:schemeClr val="accent1">
+              <a:shade val="50000"/>
+            </a:schemeClr>
+          </a:lnRef>
+          <a:fillRef idx="1">
+            <a:schemeClr val="accent1"/>
+          </a:fillRef>
+          <a:effectRef idx="0">
+            <a:schemeClr val="accent1"/>
+          </a:effectRef>
+          <a:fontRef idx="minor">
+            <a:schemeClr val="lt1"/>
+          </a:fontRef>
+        </p:style>
+        <p:txBody>
+          <a:bodyPr rtlCol="0" anchor="ctr"/>
+          <a:lstStyle/>
+          <a:p>
+            <a:pPr marL="285750" indent="-285750">
+              <a:buFont typeface="Arial" panose="020B0604020202020204" pitchFamily="34" charset="0"/>
+              <a:buChar char="•"/>
+            </a:pPr>
+            <a:r>
+              <a:rPr lang="en-SG" dirty="0">
+                <a:solidFill>
+                  <a:schemeClr val="tx1"/>
+                </a:solidFill>
               </a:rPr>
-              <a:t>, provide a constantly list of best sellers, while blogs and other websites share the must-reads with titles such as “The Top 30 books you must read in your lifetime”. The recommendations are aplenty but how to do readers discern between the different recommendations and how do they get hold of the book for free? This is what </a:t>
-            </a:r>
-            <a:r>
-              <a:rPr lang="en-SG" sz="1800" dirty="0" err="1">
-                <a:effectLst/>
-                <a:latin typeface="Arial" panose="020B0604020202020204" pitchFamily="34" charset="0"/>
-                <a:ea typeface="DengXian" panose="02010600030101010101" pitchFamily="2" charset="-122"/>
-                <a:cs typeface="Times New Roman" panose="02020603050405020304" pitchFamily="18" charset="0"/>
-              </a:rPr>
-              <a:t>SmartLibrarian</a:t>
-            </a:r>
-            <a:r>
-              <a:rPr lang="en-SG" sz="1800" dirty="0">
-                <a:effectLst/>
-                <a:latin typeface="Arial" panose="020B0604020202020204" pitchFamily="34" charset="0"/>
-                <a:ea typeface="DengXian" panose="02010600030101010101" pitchFamily="2" charset="-122"/>
-                <a:cs typeface="Times New Roman" panose="02020603050405020304" pitchFamily="18" charset="0"/>
-              </a:rPr>
-              <a:t> is here to solve.</a:t>
-            </a:r>
-          </a:p>
-        </p:txBody>
-      </p:sp>
+              <a:t>Completed a book that you enjoy? Want to find similar books to read?</a:t>
+            </a:r>
+          </a:p>
+        </p:txBody>
+      </p:sp>
+      <p:pic>
+        <p:nvPicPr>
+          <p:cNvPr id="1026" name="Picture 2" descr="11 Best Public Libraries In Singapore">
+            <a:extLst>
+              <a:ext uri="{FF2B5EF4-FFF2-40B4-BE49-F238E27FC236}">
+                <a16:creationId xmlns:a16="http://schemas.microsoft.com/office/drawing/2014/main" id="{A803236E-448E-46D1-840D-8A7B626726DC}"/>
+              </a:ext>
+            </a:extLst>
+          </p:cNvPr>
+          <p:cNvPicPr>
+            <a:picLocks noChangeAspect="1" noChangeArrowheads="1"/>
+          </p:cNvPicPr>
+          <p:nvPr/>
+        </p:nvPicPr>
+        <p:blipFill>
+          <a:blip r:embed="rId3">
+            <a:extLst>
+              <a:ext uri="{28A0092B-C50C-407E-A947-70E740481C1C}">
+                <a14:useLocalDpi xmlns:a14="http://schemas.microsoft.com/office/drawing/2010/main" val="0"/>
+              </a:ext>
+            </a:extLst>
+          </a:blip>
+          <a:srcRect/>
+          <a:stretch>
+            <a:fillRect/>
+          </a:stretch>
+        </p:blipFill>
+        <p:spPr bwMode="auto">
+          <a:xfrm>
+            <a:off x="879422" y="1168780"/>
+            <a:ext cx="2410444" cy="1805920"/>
+          </a:xfrm>
+          <a:prstGeom prst="rect">
+            <a:avLst/>
+          </a:prstGeom>
+          <a:noFill/>
+          <a:extLst>
+            <a:ext uri="{909E8E84-426E-40DD-AFC4-6F175D3DCCD1}">
+              <a14:hiddenFill xmlns:a14="http://schemas.microsoft.com/office/drawing/2010/main">
+                <a:solidFill>
+                  <a:srgbClr val="FFFFFF"/>
+                </a:solidFill>
+              </a14:hiddenFill>
+            </a:ext>
+          </a:extLst>
+        </p:spPr>
+      </p:pic>
+      <p:pic>
+        <p:nvPicPr>
+          <p:cNvPr id="1028" name="Picture 4" descr="Product ratings five stars with check mark or Vector Image">
+            <a:extLst>
+              <a:ext uri="{FF2B5EF4-FFF2-40B4-BE49-F238E27FC236}">
+                <a16:creationId xmlns:a16="http://schemas.microsoft.com/office/drawing/2014/main" id="{322A2EF6-36E1-4F0E-9ECC-952A177294F8}"/>
+              </a:ext>
+            </a:extLst>
+          </p:cNvPr>
+          <p:cNvPicPr>
+            <a:picLocks noChangeAspect="1" noChangeArrowheads="1"/>
+          </p:cNvPicPr>
+          <p:nvPr/>
+        </p:nvPicPr>
+        <p:blipFill rotWithShape="1">
+          <a:blip r:embed="rId4">
+            <a:extLst>
+              <a:ext uri="{28A0092B-C50C-407E-A947-70E740481C1C}">
+                <a14:useLocalDpi xmlns:a14="http://schemas.microsoft.com/office/drawing/2010/main" val="0"/>
+              </a:ext>
+            </a:extLst>
+          </a:blip>
+          <a:srcRect b="11348"/>
+          <a:stretch/>
+        </p:blipFill>
+        <p:spPr bwMode="auto">
+          <a:xfrm>
+            <a:off x="4705153" y="1130927"/>
+            <a:ext cx="2693641" cy="1862779"/>
+          </a:xfrm>
+          <a:prstGeom prst="rect">
+            <a:avLst/>
+          </a:prstGeom>
+          <a:noFill/>
+          <a:extLst>
+            <a:ext uri="{909E8E84-426E-40DD-AFC4-6F175D3DCCD1}">
+              <a14:hiddenFill xmlns:a14="http://schemas.microsoft.com/office/drawing/2010/main">
+                <a:solidFill>
+                  <a:srgbClr val="FFFFFF"/>
+                </a:solidFill>
+              </a14:hiddenFill>
+            </a:ext>
+          </a:extLst>
+        </p:spPr>
+      </p:pic>
+      <p:pic>
+        <p:nvPicPr>
+          <p:cNvPr id="1030" name="Picture 6" descr="What Should I Read Next? Book recommendations from readers like you">
+            <a:extLst>
+              <a:ext uri="{FF2B5EF4-FFF2-40B4-BE49-F238E27FC236}">
+                <a16:creationId xmlns:a16="http://schemas.microsoft.com/office/drawing/2014/main" id="{BB2C3934-44FD-4632-88E9-592ACF682649}"/>
+              </a:ext>
+            </a:extLst>
+          </p:cNvPr>
+          <p:cNvPicPr>
+            <a:picLocks noChangeAspect="1" noChangeArrowheads="1"/>
+          </p:cNvPicPr>
+          <p:nvPr/>
+        </p:nvPicPr>
+        <p:blipFill>
+          <a:blip r:embed="rId5">
+            <a:extLst>
+              <a:ext uri="{28A0092B-C50C-407E-A947-70E740481C1C}">
+                <a14:useLocalDpi xmlns:a14="http://schemas.microsoft.com/office/drawing/2010/main" val="0"/>
+              </a:ext>
+            </a:extLst>
+          </a:blip>
+          <a:srcRect/>
+          <a:stretch>
+            <a:fillRect/>
+          </a:stretch>
+        </p:blipFill>
+        <p:spPr bwMode="auto">
+          <a:xfrm>
+            <a:off x="8806354" y="1088500"/>
+            <a:ext cx="2619375" cy="1743075"/>
+          </a:xfrm>
+          <a:prstGeom prst="rect">
+            <a:avLst/>
+          </a:prstGeom>
+          <a:noFill/>
+          <a:extLst>
+            <a:ext uri="{909E8E84-426E-40DD-AFC4-6F175D3DCCD1}">
+              <a14:hiddenFill xmlns:a14="http://schemas.microsoft.com/office/drawing/2010/main">
+                <a:solidFill>
+                  <a:srgbClr val="FFFFFF"/>
+                </a:solidFill>
+              </a14:hiddenFill>
+            </a:ext>
+          </a:extLst>
+        </p:spPr>
+      </p:pic>
     </p:spTree>
     <p:extLst>
       <p:ext uri="{BB962C8B-B14F-4D97-AF65-F5344CB8AC3E}">
@@ -4390,7 +4963,9 @@
           </a:prstGeom>
           <a:ln>
             <a:solidFill>
-              <a:schemeClr val="tx1"/>
+              <a:schemeClr val="bg1">
+                <a:lumMod val="50000"/>
+              </a:schemeClr>
             </a:solidFill>
             <a:prstDash val="lgDashDot"/>
           </a:ln>
@@ -4410,110 +4985,53 @@
           </a:fontRef>
         </p:style>
       </p:cxnSp>
-      <p:grpSp>
-        <p:nvGrpSpPr>
-          <p:cNvPr id="21" name="Group 20">
-            <a:extLst>
-              <a:ext uri="{FF2B5EF4-FFF2-40B4-BE49-F238E27FC236}">
-                <a16:creationId xmlns:a16="http://schemas.microsoft.com/office/drawing/2014/main" id="{B618737A-D18C-4250-9BD5-D7F600EC73FA}"/>
-              </a:ext>
-            </a:extLst>
-          </p:cNvPr>
-          <p:cNvGrpSpPr/>
+      <p:pic>
+        <p:nvPicPr>
+          <p:cNvPr id="22" name="Picture 2" descr="Google Assistant - Wikipedia">
+            <a:extLst>
+              <a:ext uri="{FF2B5EF4-FFF2-40B4-BE49-F238E27FC236}">
+                <a16:creationId xmlns:a16="http://schemas.microsoft.com/office/drawing/2014/main" id="{EF700927-5EDC-4D6B-881A-3DAB0989C576}"/>
+              </a:ext>
+            </a:extLst>
+          </p:cNvPr>
+          <p:cNvPicPr>
+            <a:picLocks noChangeAspect="1" noChangeArrowheads="1"/>
+          </p:cNvPicPr>
           <p:nvPr/>
-        </p:nvGrpSpPr>
-        <p:grpSpPr>
+        </p:nvPicPr>
+        <p:blipFill>
+          <a:blip r:embed="rId2">
+            <a:extLst>
+              <a:ext uri="{28A0092B-C50C-407E-A947-70E740481C1C}">
+                <a14:useLocalDpi xmlns:a14="http://schemas.microsoft.com/office/drawing/2010/main" val="0"/>
+              </a:ext>
+            </a:extLst>
+          </a:blip>
+          <a:srcRect/>
+          <a:stretch>
+            <a:fillRect/>
+          </a:stretch>
+        </p:blipFill>
+        <p:spPr bwMode="auto">
           <a:xfrm>
-            <a:off x="10570730" y="121836"/>
-            <a:ext cx="1481310" cy="1292775"/>
-            <a:chOff x="116869" y="3841660"/>
-            <a:chExt cx="2610363" cy="2275936"/>
+            <a:off x="10760508" y="121836"/>
+            <a:ext cx="1291532" cy="1292775"/>
           </a:xfrm>
-        </p:grpSpPr>
-        <p:pic>
-          <p:nvPicPr>
-            <p:cNvPr id="22" name="Picture 2" descr="Google Assistant - Wikipedia">
-              <a:extLst>
-                <a:ext uri="{FF2B5EF4-FFF2-40B4-BE49-F238E27FC236}">
-                  <a16:creationId xmlns:a16="http://schemas.microsoft.com/office/drawing/2014/main" id="{EF700927-5EDC-4D6B-881A-3DAB0989C576}"/>
-                </a:ext>
-              </a:extLst>
-            </p:cNvPr>
-            <p:cNvPicPr>
-              <a:picLocks noChangeAspect="1" noChangeArrowheads="1"/>
-            </p:cNvPicPr>
-            <p:nvPr/>
-          </p:nvPicPr>
-          <p:blipFill>
-            <a:blip r:embed="rId2">
-              <a:extLst>
-                <a:ext uri="{28A0092B-C50C-407E-A947-70E740481C1C}">
-                  <a14:useLocalDpi xmlns:a14="http://schemas.microsoft.com/office/drawing/2010/main" val="0"/>
-                </a:ext>
-              </a:extLst>
-            </a:blip>
-            <a:srcRect/>
-            <a:stretch>
-              <a:fillRect/>
-            </a:stretch>
-          </p:blipFill>
-          <p:spPr bwMode="auto">
-            <a:xfrm>
-              <a:off x="451296" y="3841660"/>
-              <a:ext cx="2275936" cy="2275936"/>
-            </a:xfrm>
-            <a:prstGeom prst="rect">
-              <a:avLst/>
-            </a:prstGeom>
-            <a:noFill/>
-            <a:extLst>
-              <a:ext uri="{909E8E84-426E-40DD-AFC4-6F175D3DCCD1}">
-                <a14:hiddenFill xmlns:a14="http://schemas.microsoft.com/office/drawing/2010/main">
-                  <a:solidFill>
-                    <a:srgbClr val="FFFFFF"/>
-                  </a:solidFill>
-                </a14:hiddenFill>
-              </a:ext>
-            </a:extLst>
-          </p:spPr>
-        </p:pic>
-        <p:sp>
-          <p:nvSpPr>
-            <p:cNvPr id="23" name="TextBox 22">
-              <a:extLst>
-                <a:ext uri="{FF2B5EF4-FFF2-40B4-BE49-F238E27FC236}">
-                  <a16:creationId xmlns:a16="http://schemas.microsoft.com/office/drawing/2014/main" id="{CB63AD20-9099-42B2-A47E-76340BA182F7}"/>
-                </a:ext>
-              </a:extLst>
-            </p:cNvPr>
-            <p:cNvSpPr txBox="1"/>
-            <p:nvPr/>
-          </p:nvSpPr>
-          <p:spPr>
-            <a:xfrm>
-              <a:off x="116869" y="5600011"/>
-              <a:ext cx="1439796" cy="325303"/>
-            </a:xfrm>
-            <a:prstGeom prst="rect">
-              <a:avLst/>
-            </a:prstGeom>
-            <a:noFill/>
-          </p:spPr>
-          <p:txBody>
-            <a:bodyPr wrap="none" rtlCol="0">
-              <a:spAutoFit/>
-            </a:bodyPr>
-            <a:lstStyle/>
-            <a:p>
-              <a:pPr algn="ctr"/>
-              <a:r>
-                <a:rPr lang="en-SG" sz="1200" dirty="0"/>
-                <a:t>Google Assistant</a:t>
-              </a:r>
-            </a:p>
-          </p:txBody>
-        </p:sp>
-      </p:grpSp>
+          <a:prstGeom prst="rect">
+            <a:avLst/>
+          </a:prstGeom>
+          <a:noFill/>
+          <a:extLst>
+            <a:ext uri="{909E8E84-426E-40DD-AFC4-6F175D3DCCD1}">
+              <a14:hiddenFill xmlns:a14="http://schemas.microsoft.com/office/drawing/2010/main">
+                <a:solidFill>
+                  <a:srgbClr val="FFFFFF"/>
+                </a:solidFill>
+              </a14:hiddenFill>
+            </a:ext>
+          </a:extLst>
+        </p:spPr>
+      </p:pic>
       <p:grpSp>
         <p:nvGrpSpPr>
           <p:cNvPr id="5" name="Group 4">
@@ -6319,6 +6837,53 @@
           </a:p>
         </p:txBody>
       </p:sp>
+      <p:pic>
+        <p:nvPicPr>
+          <p:cNvPr id="21" name="Picture 2" descr="Google Assistant - Wikipedia">
+            <a:extLst>
+              <a:ext uri="{FF2B5EF4-FFF2-40B4-BE49-F238E27FC236}">
+                <a16:creationId xmlns:a16="http://schemas.microsoft.com/office/drawing/2014/main" id="{951E88AA-693C-496B-A70B-476C71BCF5E9}"/>
+              </a:ext>
+            </a:extLst>
+          </p:cNvPr>
+          <p:cNvPicPr>
+            <a:picLocks noChangeAspect="1" noChangeArrowheads="1"/>
+          </p:cNvPicPr>
+          <p:nvPr/>
+        </p:nvPicPr>
+        <p:blipFill>
+          <a:blip r:embed="rId6">
+            <a:extLst>
+              <a:ext uri="{28A0092B-C50C-407E-A947-70E740481C1C}">
+                <a14:useLocalDpi xmlns:a14="http://schemas.microsoft.com/office/drawing/2010/main" val="0"/>
+              </a:ext>
+            </a:extLst>
+          </a:blip>
+          <a:srcRect/>
+          <a:stretch>
+            <a:fillRect/>
+          </a:stretch>
+        </p:blipFill>
+        <p:spPr bwMode="auto">
+          <a:xfrm>
+            <a:off x="10779963" y="40183"/>
+            <a:ext cx="1291532" cy="1292775"/>
+          </a:xfrm>
+          <a:prstGeom prst="rect">
+            <a:avLst/>
+          </a:prstGeom>
+          <a:noFill/>
+          <a:extLst>
+            <a:ext uri="{909E8E84-426E-40DD-AFC4-6F175D3DCCD1}">
+              <a14:hiddenFill xmlns:a14="http://schemas.microsoft.com/office/drawing/2010/main">
+                <a:solidFill>
+                  <a:srgbClr val="FFFFFF"/>
+                </a:solidFill>
+              </a14:hiddenFill>
+            </a:ext>
+          </a:extLst>
+        </p:spPr>
+      </p:pic>
     </p:spTree>
     <p:extLst>
       <p:ext uri="{BB962C8B-B14F-4D97-AF65-F5344CB8AC3E}">
@@ -7213,6 +7778,53 @@
           </a:p>
         </p:txBody>
       </p:sp>
+      <p:pic>
+        <p:nvPicPr>
+          <p:cNvPr id="14" name="Picture 2" descr="Google Assistant - Wikipedia">
+            <a:extLst>
+              <a:ext uri="{FF2B5EF4-FFF2-40B4-BE49-F238E27FC236}">
+                <a16:creationId xmlns:a16="http://schemas.microsoft.com/office/drawing/2014/main" id="{023298C3-BE3E-4EC5-9771-99712FE342B9}"/>
+              </a:ext>
+            </a:extLst>
+          </p:cNvPr>
+          <p:cNvPicPr>
+            <a:picLocks noChangeAspect="1" noChangeArrowheads="1"/>
+          </p:cNvPicPr>
+          <p:nvPr/>
+        </p:nvPicPr>
+        <p:blipFill>
+          <a:blip r:embed="rId4">
+            <a:extLst>
+              <a:ext uri="{28A0092B-C50C-407E-A947-70E740481C1C}">
+                <a14:useLocalDpi xmlns:a14="http://schemas.microsoft.com/office/drawing/2010/main" val="0"/>
+              </a:ext>
+            </a:extLst>
+          </a:blip>
+          <a:srcRect/>
+          <a:stretch>
+            <a:fillRect/>
+          </a:stretch>
+        </p:blipFill>
+        <p:spPr bwMode="auto">
+          <a:xfrm>
+            <a:off x="10779963" y="40183"/>
+            <a:ext cx="1291532" cy="1292775"/>
+          </a:xfrm>
+          <a:prstGeom prst="rect">
+            <a:avLst/>
+          </a:prstGeom>
+          <a:noFill/>
+          <a:extLst>
+            <a:ext uri="{909E8E84-426E-40DD-AFC4-6F175D3DCCD1}">
+              <a14:hiddenFill xmlns:a14="http://schemas.microsoft.com/office/drawing/2010/main">
+                <a:solidFill>
+                  <a:srgbClr val="FFFFFF"/>
+                </a:solidFill>
+              </a14:hiddenFill>
+            </a:ext>
+          </a:extLst>
+        </p:spPr>
+      </p:pic>
     </p:spTree>
     <p:extLst>
       <p:ext uri="{BB962C8B-B14F-4D97-AF65-F5344CB8AC3E}">
@@ -7258,7 +7870,7 @@
         <p:spPr>
           <a:xfrm>
             <a:off x="597160" y="251927"/>
-            <a:ext cx="3242939" cy="369332"/>
+            <a:ext cx="1683218" cy="369332"/>
           </a:xfrm>
           <a:prstGeom prst="rect">
             <a:avLst/>
@@ -7273,37 +7885,103 @@
           <a:p>
             <a:r>
               <a:rPr lang="en-SG" b="1" u="sng" dirty="0"/>
-              <a:t>Business Plan &amp; Revenue Model</a:t>
-            </a:r>
-          </a:p>
-        </p:txBody>
-      </p:sp>
-      <p:sp>
-        <p:nvSpPr>
-          <p:cNvPr id="4" name="TextBox 3">
-            <a:extLst>
-              <a:ext uri="{FF2B5EF4-FFF2-40B4-BE49-F238E27FC236}">
-                <a16:creationId xmlns:a16="http://schemas.microsoft.com/office/drawing/2014/main" id="{CD1DF32B-C9F1-4081-A0E0-1FF7AD954A21}"/>
-              </a:ext>
-            </a:extLst>
-          </p:cNvPr>
-          <p:cNvSpPr txBox="1"/>
+              <a:t>Revenue Model</a:t>
+            </a:r>
+          </a:p>
+        </p:txBody>
+      </p:sp>
+      <p:pic>
+        <p:nvPicPr>
+          <p:cNvPr id="5" name="Picture 2" descr="Google Assistant - Wikipedia">
+            <a:extLst>
+              <a:ext uri="{FF2B5EF4-FFF2-40B4-BE49-F238E27FC236}">
+                <a16:creationId xmlns:a16="http://schemas.microsoft.com/office/drawing/2014/main" id="{843A9744-9ABD-40D4-B768-B9A950CA106B}"/>
+              </a:ext>
+            </a:extLst>
+          </p:cNvPr>
+          <p:cNvPicPr>
+            <a:picLocks noChangeAspect="1" noChangeArrowheads="1"/>
+          </p:cNvPicPr>
           <p:nvPr/>
-        </p:nvSpPr>
-        <p:spPr>
+        </p:nvPicPr>
+        <p:blipFill>
+          <a:blip r:embed="rId2">
+            <a:extLst>
+              <a:ext uri="{28A0092B-C50C-407E-A947-70E740481C1C}">
+                <a14:useLocalDpi xmlns:a14="http://schemas.microsoft.com/office/drawing/2010/main" val="0"/>
+              </a:ext>
+            </a:extLst>
+          </a:blip>
+          <a:srcRect/>
+          <a:stretch>
+            <a:fillRect/>
+          </a:stretch>
+        </p:blipFill>
+        <p:spPr bwMode="auto">
           <a:xfrm>
-            <a:off x="1822507" y="876118"/>
-            <a:ext cx="8210725" cy="5721566"/>
+            <a:off x="10779963" y="40183"/>
+            <a:ext cx="1291532" cy="1292775"/>
           </a:xfrm>
           <a:prstGeom prst="rect">
             <a:avLst/>
           </a:prstGeom>
           <a:noFill/>
+          <a:extLst>
+            <a:ext uri="{909E8E84-426E-40DD-AFC4-6F175D3DCCD1}">
+              <a14:hiddenFill xmlns:a14="http://schemas.microsoft.com/office/drawing/2010/main">
+                <a:solidFill>
+                  <a:srgbClr val="FFFFFF"/>
+                </a:solidFill>
+              </a14:hiddenFill>
+            </a:ext>
+          </a:extLst>
         </p:spPr>
-        <p:txBody>
-          <a:bodyPr wrap="square">
-            <a:spAutoFit/>
-          </a:bodyPr>
+      </p:pic>
+      <p:sp>
+        <p:nvSpPr>
+          <p:cNvPr id="6" name="Rectangle 5">
+            <a:extLst>
+              <a:ext uri="{FF2B5EF4-FFF2-40B4-BE49-F238E27FC236}">
+                <a16:creationId xmlns:a16="http://schemas.microsoft.com/office/drawing/2014/main" id="{21A231AF-7508-48D9-AE24-2C77F901D86E}"/>
+              </a:ext>
+            </a:extLst>
+          </p:cNvPr>
+          <p:cNvSpPr/>
+          <p:nvPr/>
+        </p:nvSpPr>
+        <p:spPr>
+          <a:xfrm>
+            <a:off x="3061981" y="1332958"/>
+            <a:ext cx="7352015" cy="1857983"/>
+          </a:xfrm>
+          <a:prstGeom prst="rect">
+            <a:avLst/>
+          </a:prstGeom>
+          <a:noFill/>
+          <a:ln w="25400">
+            <a:solidFill>
+              <a:srgbClr val="4285F4"/>
+            </a:solidFill>
+          </a:ln>
+        </p:spPr>
+        <p:style>
+          <a:lnRef idx="2">
+            <a:schemeClr val="accent1">
+              <a:shade val="50000"/>
+            </a:schemeClr>
+          </a:lnRef>
+          <a:fillRef idx="1">
+            <a:schemeClr val="accent1"/>
+          </a:fillRef>
+          <a:effectRef idx="0">
+            <a:schemeClr val="accent1"/>
+          </a:effectRef>
+          <a:fontRef idx="minor">
+            <a:schemeClr val="lt1"/>
+          </a:fontRef>
+        </p:style>
+        <p:txBody>
+          <a:bodyPr rtlCol="0" anchor="ctr"/>
           <a:lstStyle/>
           <a:p>
             <a:pPr algn="just">
@@ -7316,14 +7994,65 @@
             </a:pPr>
             <a:r>
               <a:rPr lang="en-SG" sz="1800" dirty="0">
+                <a:solidFill>
+                  <a:schemeClr val="tx1"/>
+                </a:solidFill>
                 <a:effectLst/>
                 <a:latin typeface="Arial" panose="020B0604020202020204" pitchFamily="34" charset="0"/>
                 <a:ea typeface="DengXian" panose="02010600030101010101" pitchFamily="2" charset="-122"/>
                 <a:cs typeface="Times New Roman" panose="02020603050405020304" pitchFamily="18" charset="0"/>
               </a:rPr>
-              <a:t>The application seeks to generate revenue via 2 methods: </a:t>
-            </a:r>
-          </a:p>
+              <a:t>As our application supports the goal of “highlighting the resources of NLB and promote a love of reading for pleasure and development”, it is highly likely that a collaboration can be achieved between us and NLB. This can in terms of grants or official integration of our application with the NLB website. </a:t>
+            </a:r>
+          </a:p>
+        </p:txBody>
+      </p:sp>
+      <p:sp>
+        <p:nvSpPr>
+          <p:cNvPr id="7" name="Rectangle 6">
+            <a:extLst>
+              <a:ext uri="{FF2B5EF4-FFF2-40B4-BE49-F238E27FC236}">
+                <a16:creationId xmlns:a16="http://schemas.microsoft.com/office/drawing/2014/main" id="{31BC4B9C-ACA8-41A8-ADA9-8AC1A35572B5}"/>
+              </a:ext>
+            </a:extLst>
+          </p:cNvPr>
+          <p:cNvSpPr/>
+          <p:nvPr/>
+        </p:nvSpPr>
+        <p:spPr>
+          <a:xfrm>
+            <a:off x="3061981" y="3815006"/>
+            <a:ext cx="7272702" cy="1857983"/>
+          </a:xfrm>
+          <a:prstGeom prst="rect">
+            <a:avLst/>
+          </a:prstGeom>
+          <a:noFill/>
+          <a:ln w="25400">
+            <a:solidFill>
+              <a:srgbClr val="EA4335"/>
+            </a:solidFill>
+          </a:ln>
+        </p:spPr>
+        <p:style>
+          <a:lnRef idx="2">
+            <a:schemeClr val="accent1">
+              <a:shade val="50000"/>
+            </a:schemeClr>
+          </a:lnRef>
+          <a:fillRef idx="1">
+            <a:schemeClr val="accent1"/>
+          </a:fillRef>
+          <a:effectRef idx="0">
+            <a:schemeClr val="accent1"/>
+          </a:effectRef>
+          <a:fontRef idx="minor">
+            <a:schemeClr val="lt1"/>
+          </a:fontRef>
+        </p:style>
+        <p:txBody>
+          <a:bodyPr rtlCol="0" anchor="ctr"/>
+          <a:lstStyle/>
           <a:p>
             <a:pPr algn="just">
               <a:lnSpc>
@@ -7335,155 +8064,153 @@
             </a:pPr>
             <a:r>
               <a:rPr lang="en-SG" sz="1800" dirty="0">
+                <a:solidFill>
+                  <a:schemeClr val="tx1"/>
+                </a:solidFill>
                 <a:effectLst/>
                 <a:latin typeface="Arial" panose="020B0604020202020204" pitchFamily="34" charset="0"/>
                 <a:ea typeface="DengXian" panose="02010600030101010101" pitchFamily="2" charset="-122"/>
                 <a:cs typeface="Times New Roman" panose="02020603050405020304" pitchFamily="18" charset="0"/>
               </a:rPr>
-              <a:t> </a:t>
-            </a:r>
-          </a:p>
-          <a:p>
-            <a:pPr algn="just">
-              <a:lnSpc>
-                <a:spcPct val="107000"/>
-              </a:lnSpc>
-              <a:spcAft>
-                <a:spcPts val="800"/>
-              </a:spcAft>
-            </a:pPr>
-            <a:r>
-              <a:rPr lang="en-SG" sz="1800" dirty="0">
-                <a:effectLst/>
+              <a:t>Currently our Intelligent Book Borrowing System relies on the Amazon recommendation system for our recommendations. However, with the development of the application, our proprietary system for recommendations can be developed and integrated with sponsored recommendations. Advertisements can also be used to generate revenue for the application.</a:t>
+            </a:r>
+          </a:p>
+        </p:txBody>
+      </p:sp>
+      <p:sp>
+        <p:nvSpPr>
+          <p:cNvPr id="8" name="Rectangle 7">
+            <a:extLst>
+              <a:ext uri="{FF2B5EF4-FFF2-40B4-BE49-F238E27FC236}">
+                <a16:creationId xmlns:a16="http://schemas.microsoft.com/office/drawing/2014/main" id="{DF7D229B-123D-423A-AD00-E2CF1C5B1014}"/>
+              </a:ext>
+            </a:extLst>
+          </p:cNvPr>
+          <p:cNvSpPr/>
+          <p:nvPr/>
+        </p:nvSpPr>
+        <p:spPr>
+          <a:xfrm>
+            <a:off x="494950" y="1415709"/>
+            <a:ext cx="2020319" cy="1692479"/>
+          </a:xfrm>
+          <a:prstGeom prst="rect">
+            <a:avLst/>
+          </a:prstGeom>
+          <a:solidFill>
+            <a:srgbClr val="002060"/>
+          </a:solidFill>
+        </p:spPr>
+        <p:style>
+          <a:lnRef idx="2">
+            <a:schemeClr val="accent1">
+              <a:shade val="50000"/>
+            </a:schemeClr>
+          </a:lnRef>
+          <a:fillRef idx="1">
+            <a:schemeClr val="accent1"/>
+          </a:fillRef>
+          <a:effectRef idx="0">
+            <a:schemeClr val="accent1"/>
+          </a:effectRef>
+          <a:fontRef idx="minor">
+            <a:schemeClr val="lt1"/>
+          </a:fontRef>
+        </p:style>
+        <p:txBody>
+          <a:bodyPr rtlCol="0" anchor="ctr"/>
+          <a:lstStyle/>
+          <a:p>
+            <a:pPr algn="ctr"/>
+            <a:r>
+              <a:rPr lang="en-US" altLang="ja-JP" dirty="0">
+                <a:solidFill>
+                  <a:schemeClr val="bg1"/>
+                </a:solidFill>
                 <a:latin typeface="Arial" panose="020B0604020202020204" pitchFamily="34" charset="0"/>
                 <a:ea typeface="DengXian" panose="02010600030101010101" pitchFamily="2" charset="-122"/>
-                <a:cs typeface="Times New Roman" panose="02020603050405020304" pitchFamily="18" charset="0"/>
+                <a:cs typeface="Arial" panose="020B0604020202020204" pitchFamily="34" charset="0"/>
               </a:rPr>
-              <a:t>	</a:t>
-            </a:r>
-            <a:r>
-              <a:rPr lang="en-SG" sz="1800" b="1" u="sng" dirty="0">
-                <a:effectLst/>
+              <a:t>Support from NLB/ Government</a:t>
+            </a:r>
+            <a:endParaRPr kumimoji="0" lang="en-US" altLang="ja-JP" b="0" i="0" u="none" strike="noStrike" cap="none" normalizeH="0" baseline="0" dirty="0">
+              <a:ln>
+                <a:noFill/>
+              </a:ln>
+              <a:solidFill>
+                <a:schemeClr val="bg1"/>
+              </a:solidFill>
+              <a:effectLst/>
+              <a:latin typeface="Arial" panose="020B0604020202020204" pitchFamily="34" charset="0"/>
+            </a:endParaRPr>
+          </a:p>
+        </p:txBody>
+      </p:sp>
+      <p:sp>
+        <p:nvSpPr>
+          <p:cNvPr id="9" name="Rectangle 8">
+            <a:extLst>
+              <a:ext uri="{FF2B5EF4-FFF2-40B4-BE49-F238E27FC236}">
+                <a16:creationId xmlns:a16="http://schemas.microsoft.com/office/drawing/2014/main" id="{3806DD4F-A332-4540-B41E-81199BDD4402}"/>
+              </a:ext>
+            </a:extLst>
+          </p:cNvPr>
+          <p:cNvSpPr/>
+          <p:nvPr/>
+        </p:nvSpPr>
+        <p:spPr>
+          <a:xfrm>
+            <a:off x="494950" y="3897757"/>
+            <a:ext cx="2020319" cy="1692479"/>
+          </a:xfrm>
+          <a:prstGeom prst="rect">
+            <a:avLst/>
+          </a:prstGeom>
+          <a:solidFill>
+            <a:srgbClr val="002060"/>
+          </a:solidFill>
+        </p:spPr>
+        <p:style>
+          <a:lnRef idx="2">
+            <a:schemeClr val="accent1">
+              <a:shade val="50000"/>
+            </a:schemeClr>
+          </a:lnRef>
+          <a:fillRef idx="1">
+            <a:schemeClr val="accent1"/>
+          </a:fillRef>
+          <a:effectRef idx="0">
+            <a:schemeClr val="accent1"/>
+          </a:effectRef>
+          <a:fontRef idx="minor">
+            <a:schemeClr val="lt1"/>
+          </a:fontRef>
+        </p:style>
+        <p:txBody>
+          <a:bodyPr rtlCol="0" anchor="ctr"/>
+          <a:lstStyle/>
+          <a:p>
+            <a:pPr algn="ctr"/>
+            <a:r>
+              <a:rPr lang="en-US" altLang="ja-JP" dirty="0">
+                <a:solidFill>
+                  <a:schemeClr val="bg1"/>
+                </a:solidFill>
                 <a:latin typeface="Arial" panose="020B0604020202020204" pitchFamily="34" charset="0"/>
                 <a:ea typeface="DengXian" panose="02010600030101010101" pitchFamily="2" charset="-122"/>
-                <a:cs typeface="Times New Roman" panose="02020603050405020304" pitchFamily="18" charset="0"/>
+                <a:cs typeface="Arial" panose="020B0604020202020204" pitchFamily="34" charset="0"/>
               </a:rPr>
-              <a:t>Support from NLB/Government</a:t>
-            </a:r>
-            <a:endParaRPr lang="en-SG" sz="1800" dirty="0">
+              <a:t>Advertisement/ Sponsored Recommendation System</a:t>
+            </a:r>
+            <a:endParaRPr kumimoji="0" lang="en-US" altLang="ja-JP" b="0" i="0" u="none" strike="noStrike" cap="none" normalizeH="0" baseline="0" dirty="0">
+              <a:ln>
+                <a:noFill/>
+              </a:ln>
+              <a:solidFill>
+                <a:schemeClr val="bg1"/>
+              </a:solidFill>
               <a:effectLst/>
               <a:latin typeface="Arial" panose="020B0604020202020204" pitchFamily="34" charset="0"/>
-              <a:ea typeface="DengXian" panose="02010600030101010101" pitchFamily="2" charset="-122"/>
-              <a:cs typeface="Times New Roman" panose="02020603050405020304" pitchFamily="18" charset="0"/>
-            </a:endParaRPr>
-          </a:p>
-          <a:p>
-            <a:pPr marL="457200" algn="just">
-              <a:lnSpc>
-                <a:spcPct val="107000"/>
-              </a:lnSpc>
-              <a:spcAft>
-                <a:spcPts val="800"/>
-              </a:spcAft>
-            </a:pPr>
-            <a:r>
-              <a:rPr lang="en-SG" sz="1800" dirty="0">
-                <a:effectLst/>
-                <a:latin typeface="Arial" panose="020B0604020202020204" pitchFamily="34" charset="0"/>
-                <a:ea typeface="DengXian" panose="02010600030101010101" pitchFamily="2" charset="-122"/>
-                <a:cs typeface="Times New Roman" panose="02020603050405020304" pitchFamily="18" charset="0"/>
-              </a:rPr>
-              <a:t>As our application supports the goal of “highlighting the resources of NLB and promote a love of reading for pleasure and development”, it is highly likely that a collaboration can be achieved between us and NLB. This can in terms of grants or official integration of our application with the NLB website. </a:t>
-            </a:r>
-          </a:p>
-          <a:p>
-            <a:pPr marL="457200" algn="just">
-              <a:lnSpc>
-                <a:spcPct val="107000"/>
-              </a:lnSpc>
-              <a:spcAft>
-                <a:spcPts val="800"/>
-              </a:spcAft>
-            </a:pPr>
-            <a:r>
-              <a:rPr lang="en-SG" sz="1800" dirty="0">
-                <a:effectLst/>
-                <a:latin typeface="Arial" panose="020B0604020202020204" pitchFamily="34" charset="0"/>
-                <a:ea typeface="DengXian" panose="02010600030101010101" pitchFamily="2" charset="-122"/>
-                <a:cs typeface="Times New Roman" panose="02020603050405020304" pitchFamily="18" charset="0"/>
-              </a:rPr>
-              <a:t> </a:t>
-            </a:r>
-          </a:p>
-          <a:p>
-            <a:pPr algn="just">
-              <a:lnSpc>
-                <a:spcPct val="107000"/>
-              </a:lnSpc>
-              <a:spcAft>
-                <a:spcPts val="800"/>
-              </a:spcAft>
-            </a:pPr>
-            <a:r>
-              <a:rPr lang="en-SG" sz="1800" dirty="0">
-                <a:effectLst/>
-                <a:latin typeface="Arial" panose="020B0604020202020204" pitchFamily="34" charset="0"/>
-                <a:ea typeface="DengXian" panose="02010600030101010101" pitchFamily="2" charset="-122"/>
-                <a:cs typeface="Times New Roman" panose="02020603050405020304" pitchFamily="18" charset="0"/>
-              </a:rPr>
-              <a:t>	</a:t>
-            </a:r>
-            <a:r>
-              <a:rPr lang="en-SG" sz="1800" b="1" u="sng" dirty="0">
-                <a:effectLst/>
-                <a:latin typeface="Arial" panose="020B0604020202020204" pitchFamily="34" charset="0"/>
-                <a:ea typeface="DengXian" panose="02010600030101010101" pitchFamily="2" charset="-122"/>
-                <a:cs typeface="Times New Roman" panose="02020603050405020304" pitchFamily="18" charset="0"/>
-              </a:rPr>
-              <a:t>Advertisement/Sponsored Recommendation System</a:t>
-            </a:r>
-            <a:endParaRPr lang="en-SG" sz="1800" dirty="0">
-              <a:effectLst/>
-              <a:latin typeface="Arial" panose="020B0604020202020204" pitchFamily="34" charset="0"/>
-              <a:ea typeface="DengXian" panose="02010600030101010101" pitchFamily="2" charset="-122"/>
-              <a:cs typeface="Times New Roman" panose="02020603050405020304" pitchFamily="18" charset="0"/>
-            </a:endParaRPr>
-          </a:p>
-          <a:p>
-            <a:pPr marL="450215" algn="just">
-              <a:lnSpc>
-                <a:spcPct val="107000"/>
-              </a:lnSpc>
-              <a:spcAft>
-                <a:spcPts val="800"/>
-              </a:spcAft>
-            </a:pPr>
-            <a:r>
-              <a:rPr lang="en-SG" sz="1800" dirty="0">
-                <a:effectLst/>
-                <a:latin typeface="Arial" panose="020B0604020202020204" pitchFamily="34" charset="0"/>
-                <a:ea typeface="DengXian" panose="02010600030101010101" pitchFamily="2" charset="-122"/>
-                <a:cs typeface="Times New Roman" panose="02020603050405020304" pitchFamily="18" charset="0"/>
-              </a:rPr>
-              <a:t>	Currently our Intelligent Book Borrowing System relies on the Amazon recommendation system for our recommendations. However, with the development of the application, our proprietary system for recommendations can be developed and integrated with sponsored recommendations. Advertisements can also be used to generate revenue for the application.</a:t>
-            </a:r>
-          </a:p>
-          <a:p>
-            <a:pPr algn="just"/>
-            <a:r>
-              <a:rPr lang="en-SG" sz="1100" dirty="0">
-                <a:effectLst/>
-                <a:latin typeface="Arial" panose="020B0604020202020204" pitchFamily="34" charset="0"/>
-                <a:ea typeface="DengXian" panose="02010600030101010101" pitchFamily="2" charset="-122"/>
-                <a:cs typeface="Times New Roman" panose="02020603050405020304" pitchFamily="18" charset="0"/>
-              </a:rPr>
-              <a:t>https://www.nlb.gov.sg/WhatsOn/Programmes/ProgrammesforAdults.aspx</a:t>
-            </a:r>
-            <a:endParaRPr lang="en-SG" sz="1400" dirty="0">
-              <a:effectLst/>
-              <a:latin typeface="Arial" panose="020B0604020202020204" pitchFamily="34" charset="0"/>
-              <a:ea typeface="DengXian" panose="02010600030101010101" pitchFamily="2" charset="-122"/>
-              <a:cs typeface="Times New Roman" panose="02020603050405020304" pitchFamily="18" charset="0"/>
             </a:endParaRPr>
           </a:p>
         </p:txBody>

--- a/Video/ISS IPA PROJECT PRESENTATION - PROMOTIONAL VIDEO.pptx
+++ b/Video/ISS IPA PROJECT PRESENTATION - PROMOTIONAL VIDEO.pptx
@@ -447,7 +447,7 @@
           <a:p>
             <a:fld id="{A5DFF91C-4E09-4FFC-8A24-B7B9DFB15E04}" type="datetimeFigureOut">
               <a:rPr lang="en-SG" smtClean="0"/>
-              <a:t>22/4/2021</a:t>
+              <a:t>25/4/2021</a:t>
             </a:fld>
             <a:endParaRPr lang="en-SG"/>
           </a:p>
@@ -647,7 +647,7 @@
           <a:p>
             <a:fld id="{A5DFF91C-4E09-4FFC-8A24-B7B9DFB15E04}" type="datetimeFigureOut">
               <a:rPr lang="en-SG" smtClean="0"/>
-              <a:t>22/4/2021</a:t>
+              <a:t>25/4/2021</a:t>
             </a:fld>
             <a:endParaRPr lang="en-SG"/>
           </a:p>
@@ -857,7 +857,7 @@
           <a:p>
             <a:fld id="{A5DFF91C-4E09-4FFC-8A24-B7B9DFB15E04}" type="datetimeFigureOut">
               <a:rPr lang="en-SG" smtClean="0"/>
-              <a:t>22/4/2021</a:t>
+              <a:t>25/4/2021</a:t>
             </a:fld>
             <a:endParaRPr lang="en-SG"/>
           </a:p>
@@ -1057,7 +1057,7 @@
           <a:p>
             <a:fld id="{A5DFF91C-4E09-4FFC-8A24-B7B9DFB15E04}" type="datetimeFigureOut">
               <a:rPr lang="en-SG" smtClean="0"/>
-              <a:t>22/4/2021</a:t>
+              <a:t>25/4/2021</a:t>
             </a:fld>
             <a:endParaRPr lang="en-SG"/>
           </a:p>
@@ -1333,7 +1333,7 @@
           <a:p>
             <a:fld id="{A5DFF91C-4E09-4FFC-8A24-B7B9DFB15E04}" type="datetimeFigureOut">
               <a:rPr lang="en-SG" smtClean="0"/>
-              <a:t>22/4/2021</a:t>
+              <a:t>25/4/2021</a:t>
             </a:fld>
             <a:endParaRPr lang="en-SG"/>
           </a:p>
@@ -1601,7 +1601,7 @@
           <a:p>
             <a:fld id="{A5DFF91C-4E09-4FFC-8A24-B7B9DFB15E04}" type="datetimeFigureOut">
               <a:rPr lang="en-SG" smtClean="0"/>
-              <a:t>22/4/2021</a:t>
+              <a:t>25/4/2021</a:t>
             </a:fld>
             <a:endParaRPr lang="en-SG"/>
           </a:p>
@@ -2016,7 +2016,7 @@
           <a:p>
             <a:fld id="{A5DFF91C-4E09-4FFC-8A24-B7B9DFB15E04}" type="datetimeFigureOut">
               <a:rPr lang="en-SG" smtClean="0"/>
-              <a:t>22/4/2021</a:t>
+              <a:t>25/4/2021</a:t>
             </a:fld>
             <a:endParaRPr lang="en-SG"/>
           </a:p>
@@ -2158,7 +2158,7 @@
           <a:p>
             <a:fld id="{A5DFF91C-4E09-4FFC-8A24-B7B9DFB15E04}" type="datetimeFigureOut">
               <a:rPr lang="en-SG" smtClean="0"/>
-              <a:t>22/4/2021</a:t>
+              <a:t>25/4/2021</a:t>
             </a:fld>
             <a:endParaRPr lang="en-SG"/>
           </a:p>
@@ -2271,7 +2271,7 @@
           <a:p>
             <a:fld id="{A5DFF91C-4E09-4FFC-8A24-B7B9DFB15E04}" type="datetimeFigureOut">
               <a:rPr lang="en-SG" smtClean="0"/>
-              <a:t>22/4/2021</a:t>
+              <a:t>25/4/2021</a:t>
             </a:fld>
             <a:endParaRPr lang="en-SG"/>
           </a:p>
@@ -2584,7 +2584,7 @@
           <a:p>
             <a:fld id="{A5DFF91C-4E09-4FFC-8A24-B7B9DFB15E04}" type="datetimeFigureOut">
               <a:rPr lang="en-SG" smtClean="0"/>
-              <a:t>22/4/2021</a:t>
+              <a:t>25/4/2021</a:t>
             </a:fld>
             <a:endParaRPr lang="en-SG"/>
           </a:p>
@@ -2873,7 +2873,7 @@
           <a:p>
             <a:fld id="{A5DFF91C-4E09-4FFC-8A24-B7B9DFB15E04}" type="datetimeFigureOut">
               <a:rPr lang="en-SG" smtClean="0"/>
-              <a:t>22/4/2021</a:t>
+              <a:t>25/4/2021</a:t>
             </a:fld>
             <a:endParaRPr lang="en-SG"/>
           </a:p>
@@ -3116,7 +3116,7 @@
           <a:p>
             <a:fld id="{A5DFF91C-4E09-4FFC-8A24-B7B9DFB15E04}" type="datetimeFigureOut">
               <a:rPr lang="en-SG" smtClean="0"/>
-              <a:t>22/4/2021</a:t>
+              <a:t>25/4/2021</a:t>
             </a:fld>
             <a:endParaRPr lang="en-SG"/>
           </a:p>
